--- a/doc/task03/2016-03-29-Task_03_1.pptx
+++ b/doc/task03/2016-03-29-Task_03_1.pptx
@@ -158,7 +158,7 @@
   </p:defaultTextStyle>
   <p:extLst>
     <p:ext uri="{EFAFB233-063F-42B5-8137-9DF3F51BA10A}">
-      <p15:sldGuideLst xmlns:p15="http://schemas.microsoft.com/office/powerpoint/2012/main">
+      <p15:sldGuideLst xmlns:p15="http://schemas.microsoft.com/office/powerpoint/2012/main" xmlns="">
         <p15:guide id="1" orient="horz" pos="2160">
           <p15:clr>
             <a:srgbClr val="A4A3A4"/>
@@ -172,7 +172,7 @@
       </p15:sldGuideLst>
     </p:ext>
     <p:ext uri="{2D200454-40CA-4A62-9FC3-DE9A4176ACB9}">
-      <p15:notesGuideLst xmlns:p15="http://schemas.microsoft.com/office/powerpoint/2012/main">
+      <p15:notesGuideLst xmlns:p15="http://schemas.microsoft.com/office/powerpoint/2012/main" xmlns="">
         <p15:guide id="1" orient="horz" pos="3132">
           <p15:clr>
             <a:srgbClr val="A4A3A4"/>
@@ -271,7 +271,7 @@
           <a:p>
             <a:fld id="{EFA0D184-D464-48E9-9CA0-A94E873F6C2C}" type="datetimeFigureOut">
               <a:rPr lang="de-CH" smtClean="0"/>
-              <a:t>29.03.2016</a:t>
+              <a:t>29.03.16</a:t>
             </a:fld>
             <a:endParaRPr lang="de-CH"/>
           </a:p>
@@ -337,7 +337,7 @@
           <a:p>
             <a:fld id="{5F377753-DB7C-4FA7-98FC-17681D88797A}" type="slidenum">
               <a:rPr lang="de-CH" smtClean="0"/>
-              <a:t>‹#›</a:t>
+              <a:t>‹Nr.›</a:t>
             </a:fld>
             <a:endParaRPr lang="de-CH"/>
           </a:p>
@@ -436,7 +436,7 @@
           <a:p>
             <a:fld id="{5AF2B663-2BA9-4D7E-8201-5DE4109E1EDD}" type="datetimeFigureOut">
               <a:rPr lang="de-CH" smtClean="0"/>
-              <a:t>29.03.2016</a:t>
+              <a:t>29.03.16</a:t>
             </a:fld>
             <a:endParaRPr lang="de-CH"/>
           </a:p>
@@ -595,7 +595,7 @@
           <a:p>
             <a:fld id="{37E44704-8E6D-4CF2-8CFA-A0F7BC751896}" type="slidenum">
               <a:rPr lang="de-CH" smtClean="0"/>
-              <a:t>‹#›</a:t>
+              <a:t>‹Nr.›</a:t>
             </a:fld>
             <a:endParaRPr lang="de-CH"/>
           </a:p>
@@ -928,14 +928,14 @@
             <a:noFill/>
           </a:ln>
           <a:extLst>
-            <a:ext uri="{909E8E84-426E-40DD-AFC4-6F175D3DCCD1}">
+            <a:ext uri="{909E8E84-426E-40dd-AFC4-6F175D3DCCD1}">
               <a14:hiddenFill xmlns:a14="http://schemas.microsoft.com/office/drawing/2010/main">
                 <a:solidFill>
                   <a:srgbClr val="FFFFFF"/>
                 </a:solidFill>
               </a14:hiddenFill>
             </a:ext>
-            <a:ext uri="{91240B29-F687-4F45-9708-019B960494DF}">
+            <a:ext uri="{91240B29-F687-4f45-9708-019B960494DF}">
               <a14:hiddenLine xmlns:a14="http://schemas.microsoft.com/office/drawing/2010/main" w="9525">
                 <a:solidFill>
                   <a:srgbClr val="000000"/>
@@ -988,9 +988,17 @@
             <a:br>
               <a:rPr lang="de-DE" noProof="0" dirty="0"/>
             </a:br>
+            <a:r>
+              <a:rPr lang="de-DE" noProof="0" dirty="0"/>
+              <a:t/>
+            </a:r>
             <a:br>
               <a:rPr lang="de-DE" noProof="0" dirty="0"/>
             </a:br>
+            <a:r>
+              <a:rPr lang="de-DE" noProof="0" dirty="0"/>
+              <a:t/>
+            </a:r>
             <a:br>
               <a:rPr lang="de-DE" noProof="0" dirty="0"/>
             </a:br>
@@ -2036,7 +2044,7 @@
           <a:p>
             <a:fld id="{F19AE9A8-34D4-4E8C-BE9C-13C550F1BED0}" type="slidenum">
               <a:rPr lang="de-CH" smtClean="0"/>
-              <a:t>‹#›</a:t>
+              <a:t>‹Nr.›</a:t>
             </a:fld>
             <a:endParaRPr lang="de-CH" dirty="0"/>
           </a:p>
@@ -2089,7 +2097,7 @@
           <a:p>
             <a:fld id="{F19AE9A8-34D4-4E8C-BE9C-13C550F1BED0}" type="slidenum">
               <a:rPr lang="de-CH" smtClean="0"/>
-              <a:t>‹#›</a:t>
+              <a:t>‹Nr.›</a:t>
             </a:fld>
             <a:endParaRPr lang="de-CH" dirty="0"/>
           </a:p>
@@ -2394,14 +2402,14 @@
             <a:noFill/>
           </a:ln>
           <a:extLst>
-            <a:ext uri="{909E8E84-426E-40DD-AFC4-6F175D3DCCD1}">
+            <a:ext uri="{909E8E84-426E-40dd-AFC4-6F175D3DCCD1}">
               <a14:hiddenFill xmlns:a14="http://schemas.microsoft.com/office/drawing/2010/main">
                 <a:solidFill>
                   <a:srgbClr val="FFFFFF"/>
                 </a:solidFill>
               </a14:hiddenFill>
             </a:ext>
-            <a:ext uri="{91240B29-F687-4F45-9708-019B960494DF}">
+            <a:ext uri="{91240B29-F687-4f45-9708-019B960494DF}">
               <a14:hiddenLine xmlns:a14="http://schemas.microsoft.com/office/drawing/2010/main" w="9525">
                 <a:solidFill>
                   <a:srgbClr val="000000"/>
@@ -3118,7 +3126,7 @@
           <a:p>
             <a:fld id="{F19AE9A8-34D4-4E8C-BE9C-13C550F1BED0}" type="slidenum">
               <a:rPr lang="de-CH" smtClean="0"/>
-              <a:t>‹#›</a:t>
+              <a:t>‹Nr.›</a:t>
             </a:fld>
             <a:endParaRPr lang="de-CH" dirty="0"/>
           </a:p>
@@ -3506,7 +3514,7 @@
           <a:p>
             <a:fld id="{F19AE9A8-34D4-4E8C-BE9C-13C550F1BED0}" type="slidenum">
               <a:rPr lang="de-CH" smtClean="0"/>
-              <a:t>‹#›</a:t>
+              <a:t>‹Nr.›</a:t>
             </a:fld>
             <a:endParaRPr lang="de-CH" dirty="0"/>
           </a:p>
@@ -3732,7 +3740,7 @@
           <a:p>
             <a:fld id="{F19AE9A8-34D4-4E8C-BE9C-13C550F1BED0}" type="slidenum">
               <a:rPr lang="de-CH" smtClean="0"/>
-              <a:t>‹#›</a:t>
+              <a:t>‹Nr.›</a:t>
             </a:fld>
             <a:endParaRPr lang="de-CH" dirty="0"/>
           </a:p>
@@ -4032,7 +4040,7 @@
           <a:p>
             <a:fld id="{F19AE9A8-34D4-4E8C-BE9C-13C550F1BED0}" type="slidenum">
               <a:rPr lang="de-CH" smtClean="0"/>
-              <a:t>‹#›</a:t>
+              <a:t>‹Nr.›</a:t>
             </a:fld>
             <a:endParaRPr lang="de-CH" dirty="0"/>
           </a:p>
@@ -4554,7 +4562,7 @@
           <a:p>
             <a:fld id="{F19AE9A8-34D4-4E8C-BE9C-13C550F1BED0}" type="slidenum">
               <a:rPr lang="de-CH" smtClean="0"/>
-              <a:t>‹#›</a:t>
+              <a:t>‹Nr.›</a:t>
             </a:fld>
             <a:endParaRPr lang="de-CH" dirty="0"/>
           </a:p>
@@ -5076,7 +5084,7 @@
           <a:p>
             <a:fld id="{F19AE9A8-34D4-4E8C-BE9C-13C550F1BED0}" type="slidenum">
               <a:rPr lang="de-CH" smtClean="0"/>
-              <a:t>‹#›</a:t>
+              <a:t>‹Nr.›</a:t>
             </a:fld>
             <a:endParaRPr lang="de-CH" dirty="0"/>
           </a:p>
@@ -5802,7 +5810,7 @@
             <a:fld id="{F19AE9A8-34D4-4E8C-BE9C-13C550F1BED0}" type="slidenum">
               <a:rPr lang="de-CH" smtClean="0"/>
               <a:pPr/>
-              <a:t>‹#›</a:t>
+              <a:t>‹Nr.›</a:t>
             </a:fld>
             <a:endParaRPr lang="de-CH" dirty="0"/>
           </a:p>
@@ -5867,14 +5875,14 @@
             <a:noFill/>
           </a:ln>
           <a:extLst>
-            <a:ext uri="{909E8E84-426E-40DD-AFC4-6F175D3DCCD1}">
+            <a:ext uri="{909E8E84-426E-40dd-AFC4-6F175D3DCCD1}">
               <a14:hiddenFill xmlns:a14="http://schemas.microsoft.com/office/drawing/2010/main">
                 <a:solidFill>
                   <a:srgbClr val="FFFFFF"/>
                 </a:solidFill>
               </a14:hiddenFill>
             </a:ext>
-            <a:ext uri="{91240B29-F687-4F45-9708-019B960494DF}">
+            <a:ext uri="{91240B29-F687-4f45-9708-019B960494DF}">
               <a14:hiddenLine xmlns:a14="http://schemas.microsoft.com/office/drawing/2010/main" w="9525">
                 <a:solidFill>
                   <a:srgbClr val="000000"/>
@@ -6188,7 +6196,7 @@
             <a:fld id="{F19AE9A8-34D4-4E8C-BE9C-13C550F1BED0}" type="slidenum">
               <a:rPr lang="de-CH" smtClean="0"/>
               <a:pPr/>
-              <a:t>‹#›</a:t>
+              <a:t>‹Nr.›</a:t>
             </a:fld>
             <a:endParaRPr lang="de-CH" dirty="0"/>
           </a:p>
@@ -7023,15 +7031,40 @@
             <p:ph sz="half" idx="1"/>
           </p:nvPr>
         </p:nvSpPr>
-        <p:spPr/>
+        <p:spPr>
+          <a:xfrm>
+            <a:off x="468000" y="978199"/>
+            <a:ext cx="8100000" cy="5129346"/>
+          </a:xfrm>
+        </p:spPr>
         <p:txBody>
           <a:bodyPr/>
           <a:lstStyle/>
           <a:p>
             <a:r>
+              <a:rPr lang="de-CH" dirty="0" smtClean="0"/>
+              <a:t>12 </a:t>
+            </a:r>
+            <a:r>
               <a:rPr lang="de-CH" dirty="0"/>
-              <a:t>We had 12 stories in the beginning</a:t>
-            </a:r>
+              <a:t>stories in </a:t>
+            </a:r>
+            <a:r>
+              <a:rPr lang="de-CH" dirty="0" err="1"/>
+              <a:t>the</a:t>
+            </a:r>
+            <a:r>
+              <a:rPr lang="de-CH" dirty="0"/>
+              <a:t> </a:t>
+            </a:r>
+            <a:r>
+              <a:rPr lang="de-CH" dirty="0" err="1" smtClean="0"/>
+              <a:t>beginning</a:t>
+            </a:r>
+            <a:endParaRPr lang="de-CH" dirty="0" smtClean="0"/>
+          </a:p>
+          <a:p>
+            <a:endParaRPr lang="de-CH" dirty="0"/>
           </a:p>
           <a:p>
             <a:r>
@@ -7042,9 +7075,46 @@
           <a:p>
             <a:pPr lvl="1"/>
             <a:r>
+              <a:rPr lang="de-CH" dirty="0" err="1"/>
+              <a:t>E</a:t>
+            </a:r>
+            <a:r>
+              <a:rPr lang="de-CH" dirty="0" err="1" smtClean="0"/>
+              <a:t>liminated</a:t>
+            </a:r>
+            <a:r>
+              <a:rPr lang="de-CH" dirty="0" smtClean="0"/>
+              <a:t> </a:t>
+            </a:r>
+            <a:r>
+              <a:rPr lang="de-CH" dirty="0" err="1" smtClean="0"/>
+              <a:t>duplicates</a:t>
+            </a:r>
+            <a:r>
+              <a:rPr lang="de-CH" dirty="0" smtClean="0"/>
+              <a:t> </a:t>
+            </a:r>
+            <a:r>
               <a:rPr lang="de-CH" dirty="0"/>
-              <a:t>We eliminated duplicats / out-of-scope stories</a:t>
-            </a:r>
+              <a:t>/ out-of-</a:t>
+            </a:r>
+            <a:r>
+              <a:rPr lang="de-CH" dirty="0" err="1"/>
+              <a:t>scope</a:t>
+            </a:r>
+            <a:r>
+              <a:rPr lang="de-CH" dirty="0"/>
+              <a:t> </a:t>
+            </a:r>
+            <a:r>
+              <a:rPr lang="de-CH" dirty="0" err="1" smtClean="0"/>
+              <a:t>stories</a:t>
+            </a:r>
+            <a:endParaRPr lang="de-CH" dirty="0" smtClean="0"/>
+          </a:p>
+          <a:p>
+            <a:pPr lvl="1"/>
+            <a:endParaRPr lang="de-CH" dirty="0"/>
           </a:p>
           <a:p>
             <a:r>
@@ -7055,9 +7125,57 @@
           <a:p>
             <a:pPr lvl="1"/>
             <a:r>
+              <a:rPr lang="de-CH" dirty="0" smtClean="0"/>
+              <a:t>After Interviews: </a:t>
+            </a:r>
+            <a:r>
+              <a:rPr lang="de-CH" dirty="0" err="1" smtClean="0"/>
+              <a:t>excluded</a:t>
+            </a:r>
+            <a:r>
+              <a:rPr lang="de-CH" dirty="0" smtClean="0"/>
+              <a:t> </a:t>
+            </a:r>
+            <a:r>
+              <a:rPr lang="de-CH" dirty="0" err="1" smtClean="0"/>
+              <a:t>stories</a:t>
+            </a:r>
+            <a:r>
               <a:rPr lang="de-CH" dirty="0"/>
-              <a:t>Based on interviews we have excluded stories that would not be in the field of interest of the user</a:t>
-            </a:r>
+              <a:t> </a:t>
+            </a:r>
+            <a:r>
+              <a:rPr lang="de-CH" dirty="0" smtClean="0"/>
+              <a:t>(not in </a:t>
+            </a:r>
+            <a:r>
+              <a:rPr lang="de-CH" dirty="0" err="1" smtClean="0"/>
+              <a:t>field</a:t>
+            </a:r>
+            <a:r>
+              <a:rPr lang="de-CH" dirty="0" smtClean="0"/>
+              <a:t> </a:t>
+            </a:r>
+            <a:r>
+              <a:rPr lang="de-CH" dirty="0" err="1" smtClean="0"/>
+              <a:t>of</a:t>
+            </a:r>
+            <a:r>
+              <a:rPr lang="de-CH" dirty="0" smtClean="0"/>
+              <a:t> </a:t>
+            </a:r>
+            <a:r>
+              <a:rPr lang="de-CH" dirty="0" err="1" smtClean="0"/>
+              <a:t>interest</a:t>
+            </a:r>
+            <a:r>
+              <a:rPr lang="de-CH" dirty="0" smtClean="0"/>
+              <a:t>)</a:t>
+            </a:r>
+          </a:p>
+          <a:p>
+            <a:pPr lvl="1"/>
+            <a:endParaRPr lang="de-CH" dirty="0"/>
           </a:p>
           <a:p>
             <a:r>
@@ -7068,8 +7186,24 @@
           <a:p>
             <a:pPr lvl="1"/>
             <a:r>
+              <a:rPr lang="de-CH" dirty="0" smtClean="0"/>
+              <a:t>Selected </a:t>
+            </a:r>
+            <a:r>
+              <a:rPr lang="de-CH" dirty="0" err="1" smtClean="0"/>
+              <a:t>most</a:t>
+            </a:r>
+            <a:r>
+              <a:rPr lang="de-CH" dirty="0" smtClean="0"/>
+              <a:t> </a:t>
+            </a:r>
+            <a:r>
               <a:rPr lang="de-CH" dirty="0"/>
-              <a:t>Selected several most promising stories as key features</a:t>
+              <a:t>promising </a:t>
+            </a:r>
+            <a:r>
+              <a:rPr lang="de-CH" dirty="0" err="1" smtClean="0"/>
+              <a:t>stories</a:t>
             </a:r>
             <a:endParaRPr lang="en-US" dirty="0"/>
           </a:p>
@@ -7138,9 +7272,10 @@
           <a:lstStyle/>
           <a:p>
             <a:r>
-              <a:rPr lang="de-CH" dirty="0"/>
-              <a:t>Storyboards</a:t>
-            </a:r>
+              <a:rPr lang="de-CH" dirty="0" err="1" smtClean="0"/>
+              <a:t>Procedure</a:t>
+            </a:r>
+            <a:endParaRPr lang="de-CH" dirty="0"/>
           </a:p>
         </p:txBody>
       </p:sp>
@@ -7349,7 +7484,7 @@
           </a:prstGeom>
           <a:noFill/>
           <a:extLst>
-            <a:ext uri="{909E8E84-426E-40DD-AFC4-6F175D3DCCD1}">
+            <a:ext uri="{909E8E84-426E-40dd-AFC4-6F175D3DCCD1}">
               <a14:hiddenFill xmlns:a14="http://schemas.microsoft.com/office/drawing/2010/main">
                 <a:solidFill>
                   <a:srgbClr val="FFFFFF"/>
@@ -7390,7 +7525,7 @@
           </a:prstGeom>
           <a:noFill/>
           <a:extLst>
-            <a:ext uri="{909E8E84-426E-40DD-AFC4-6F175D3DCCD1}">
+            <a:ext uri="{909E8E84-426E-40dd-AFC4-6F175D3DCCD1}">
               <a14:hiddenFill xmlns:a14="http://schemas.microsoft.com/office/drawing/2010/main">
                 <a:solidFill>
                   <a:srgbClr val="FFFFFF"/>
@@ -7512,20 +7647,49 @@
             <p:ph sz="half" idx="1"/>
           </p:nvPr>
         </p:nvSpPr>
-        <p:spPr/>
+        <p:spPr>
+          <a:xfrm>
+            <a:off x="468000" y="1073727"/>
+            <a:ext cx="8100000" cy="5046272"/>
+          </a:xfrm>
+        </p:spPr>
         <p:txBody>
           <a:bodyPr/>
           <a:lstStyle/>
           <a:p>
             <a:r>
               <a:rPr lang="de-CH" dirty="0"/>
-              <a:t>Collected two replies about prototypes</a:t>
-            </a:r>
-          </a:p>
-          <a:p>
+              <a:t>Collected two replies </a:t>
+            </a:r>
+            <a:r>
+              <a:rPr lang="de-CH" dirty="0" err="1"/>
+              <a:t>about</a:t>
+            </a:r>
             <a:r>
               <a:rPr lang="de-CH" dirty="0"/>
-              <a:t>From digital-native</a:t>
+              <a:t> </a:t>
+            </a:r>
+            <a:r>
+              <a:rPr lang="de-CH" dirty="0" err="1" smtClean="0"/>
+              <a:t>prototypes</a:t>
+            </a:r>
+            <a:endParaRPr lang="de-CH" dirty="0" smtClean="0"/>
+          </a:p>
+          <a:p>
+            <a:endParaRPr lang="de-CH" dirty="0"/>
+          </a:p>
+          <a:p>
+            <a:r>
+              <a:rPr lang="de-CH" dirty="0"/>
+              <a:t>D</a:t>
+            </a:r>
+            <a:r>
+              <a:rPr lang="de-CH" dirty="0" smtClean="0"/>
+              <a:t>igital</a:t>
+            </a:r>
+            <a:r>
+              <a:rPr lang="de-CH" dirty="0"/>
+              <a:t>-native</a:t>
             </a:r>
           </a:p>
           <a:p>
@@ -7563,7 +7727,15 @@
           <a:p>
             <a:r>
               <a:rPr lang="de-CH" dirty="0"/>
-              <a:t>From non-digital-native </a:t>
+              <a:t>N</a:t>
+            </a:r>
+            <a:r>
+              <a:rPr lang="de-CH" dirty="0" smtClean="0"/>
+              <a:t>on</a:t>
+            </a:r>
+            <a:r>
+              <a:rPr lang="de-CH" dirty="0"/>
+              <a:t>-digital-native </a:t>
             </a:r>
           </a:p>
           <a:p>
@@ -7783,35 +7955,43 @@
             <p:ph sz="half" idx="1"/>
           </p:nvPr>
         </p:nvSpPr>
-        <p:spPr/>
+        <p:spPr>
+          <a:xfrm>
+            <a:off x="468000" y="989743"/>
+            <a:ext cx="8100000" cy="5210165"/>
+          </a:xfrm>
+        </p:spPr>
         <p:txBody>
           <a:bodyPr/>
           <a:lstStyle/>
           <a:p>
             <a:r>
+              <a:rPr lang="en-US" dirty="0" smtClean="0"/>
+              <a:t>Where and when?</a:t>
+            </a:r>
+            <a:endParaRPr lang="en-US" dirty="0"/>
+          </a:p>
+          <a:p>
+            <a:pPr lvl="1"/>
+            <a:r>
               <a:rPr lang="en-US" dirty="0"/>
-              <a:t>Where and when shall a user be</a:t>
+              <a:t>Path-</a:t>
+            </a:r>
+            <a:r>
+              <a:rPr lang="en-US" dirty="0" smtClean="0"/>
+              <a:t>planning</a:t>
             </a:r>
           </a:p>
           <a:p>
             <a:pPr lvl="1"/>
-            <a:r>
-              <a:rPr lang="en-US" dirty="0"/>
-              <a:t>Geo-Location</a:t>
-            </a:r>
-          </a:p>
-          <a:p>
-            <a:pPr lvl="1"/>
-            <a:r>
-              <a:rPr lang="en-US" dirty="0"/>
-              <a:t>Path-planning (driving + time estimation per client)</a:t>
-            </a:r>
-          </a:p>
-          <a:p>
-            <a:r>
-              <a:rPr lang="en-US" dirty="0"/>
-              <a:t>What shall a user know about client (patient)</a:t>
-            </a:r>
+            <a:endParaRPr lang="en-US" dirty="0"/>
+          </a:p>
+          <a:p>
+            <a:r>
+              <a:rPr lang="en-US" dirty="0" smtClean="0"/>
+              <a:t>Info about client?</a:t>
+            </a:r>
+            <a:endParaRPr lang="en-US" dirty="0"/>
           </a:p>
           <a:p>
             <a:pPr lvl="1"/>
@@ -7823,53 +8003,93 @@
           <a:p>
             <a:pPr lvl="1"/>
             <a:r>
+              <a:rPr lang="en-US" dirty="0" smtClean="0"/>
+              <a:t>Drugs</a:t>
+            </a:r>
+            <a:endParaRPr lang="en-US" dirty="0"/>
+          </a:p>
+          <a:p>
+            <a:pPr lvl="1"/>
+            <a:r>
+              <a:rPr lang="en-US" dirty="0" smtClean="0"/>
+              <a:t>Treatment</a:t>
+            </a:r>
+          </a:p>
+          <a:p>
+            <a:pPr lvl="1"/>
+            <a:endParaRPr lang="en-US" dirty="0"/>
+          </a:p>
+          <a:p>
+            <a:r>
+              <a:rPr lang="en-US" dirty="0" smtClean="0"/>
+              <a:t>Improve </a:t>
+            </a:r>
+            <a:r>
               <a:rPr lang="en-US" dirty="0"/>
-              <a:t>Which/how many drugs (for educated)</a:t>
-            </a:r>
+              <a:t>the </a:t>
+            </a:r>
+            <a:r>
+              <a:rPr lang="en-US" dirty="0" smtClean="0"/>
+              <a:t>quality / be efficient</a:t>
+            </a:r>
+            <a:endParaRPr lang="en-US" dirty="0"/>
           </a:p>
           <a:p>
             <a:pPr lvl="1"/>
             <a:r>
               <a:rPr lang="en-US" dirty="0"/>
-              <a:t>Which treatment/help (general)</a:t>
-            </a:r>
-          </a:p>
-          <a:p>
+              <a:t>Taking </a:t>
+            </a:r>
+            <a:r>
+              <a:rPr lang="en-US" dirty="0" smtClean="0"/>
+              <a:t>notes</a:t>
+            </a:r>
+            <a:endParaRPr lang="en-US" dirty="0"/>
+          </a:p>
+          <a:p>
+            <a:pPr lvl="1"/>
+            <a:r>
+              <a:rPr lang="en-US" dirty="0" smtClean="0"/>
+              <a:t>Task</a:t>
+            </a:r>
             <a:r>
               <a:rPr lang="en-US" dirty="0"/>
-              <a:t>How can a user improve the quality and be efficient</a:t>
+              <a:t>-</a:t>
+            </a:r>
+            <a:r>
+              <a:rPr lang="en-US" dirty="0" smtClean="0"/>
+              <a:t>list / time control</a:t>
             </a:r>
           </a:p>
           <a:p>
             <a:pPr lvl="1"/>
+            <a:endParaRPr lang="en-US" dirty="0"/>
+          </a:p>
+          <a:p>
+            <a:r>
+              <a:rPr lang="en-US" dirty="0" smtClean="0"/>
+              <a:t>Printing </a:t>
+            </a:r>
             <a:r>
               <a:rPr lang="en-US" dirty="0"/>
-              <a:t>Taking notes / writing a log</a:t>
-            </a:r>
-          </a:p>
-          <a:p>
-            <a:pPr lvl="1"/>
-            <a:r>
-              <a:rPr lang="en-US" dirty="0"/>
-              <a:t>Creating / Following a task-list (plus time-control)</a:t>
-            </a:r>
-          </a:p>
-          <a:p>
-            <a:r>
-              <a:rPr lang="en-US" dirty="0"/>
-              <a:t>How can a user quickly find info about treatment</a:t>
-            </a:r>
-          </a:p>
-          <a:p>
-            <a:r>
-              <a:rPr lang="en-US" dirty="0"/>
-              <a:t>Printing Datasheets / Invoices</a:t>
-            </a:r>
-          </a:p>
-          <a:p>
-            <a:r>
-              <a:rPr lang="en-US" dirty="0"/>
-              <a:t>Creating contracts with clients (patients) or family members</a:t>
+              <a:t>Datasheets / </a:t>
+            </a:r>
+            <a:r>
+              <a:rPr lang="en-US" dirty="0" smtClean="0"/>
+              <a:t>Invoices</a:t>
+            </a:r>
+          </a:p>
+          <a:p>
+            <a:endParaRPr lang="en-US" dirty="0"/>
+          </a:p>
+          <a:p>
+            <a:r>
+              <a:rPr lang="en-US" dirty="0" smtClean="0"/>
+              <a:t>C</a:t>
+            </a:r>
+            <a:r>
+              <a:rPr lang="en-US" dirty="0" smtClean="0"/>
+              <a:t>ontracts (patients / family members)</a:t>
             </a:r>
             <a:endParaRPr lang="de-CH" dirty="0"/>
           </a:p>
@@ -7945,8 +8165,15 @@
           <a:p>
             <a:r>
               <a:rPr lang="en-US" dirty="0"/>
-              <a:t>Out-of-Scope</a:t>
-            </a:r>
+              <a:t>Out-of-</a:t>
+            </a:r>
+            <a:r>
+              <a:rPr lang="en-US" dirty="0" smtClean="0"/>
+              <a:t>Scope</a:t>
+            </a:r>
+          </a:p>
+          <a:p>
+            <a:endParaRPr lang="en-US" dirty="0"/>
           </a:p>
           <a:p>
             <a:pPr lvl="1"/>
@@ -7962,15 +8189,27 @@
           <a:p>
             <a:r>
               <a:rPr lang="en-US" dirty="0"/>
-              <a:t>Efficiency measures</a:t>
-            </a:r>
+              <a:t>Efficiency </a:t>
+            </a:r>
+            <a:r>
+              <a:rPr lang="en-US" dirty="0" smtClean="0"/>
+              <a:t>measures</a:t>
+            </a:r>
+          </a:p>
+          <a:p>
+            <a:endParaRPr lang="en-US" dirty="0"/>
           </a:p>
           <a:p>
             <a:pPr lvl="1"/>
             <a:r>
               <a:rPr lang="en-US" dirty="0"/>
-              <a:t>Time-control for treatment needed</a:t>
-            </a:r>
+              <a:t>Time-control for </a:t>
+            </a:r>
+            <a:r>
+              <a:rPr lang="en-US" dirty="0" smtClean="0"/>
+              <a:t>treatment</a:t>
+            </a:r>
+            <a:endParaRPr lang="en-US" dirty="0"/>
           </a:p>
           <a:p>
             <a:pPr lvl="1"/>
@@ -8117,7 +8356,12 @@
             <p:ph sz="half" idx="1"/>
           </p:nvPr>
         </p:nvSpPr>
-        <p:spPr/>
+        <p:spPr>
+          <a:xfrm>
+            <a:off x="468000" y="1858817"/>
+            <a:ext cx="8100000" cy="4261181"/>
+          </a:xfrm>
+        </p:spPr>
         <p:txBody>
           <a:bodyPr/>
           <a:lstStyle/>
@@ -8134,7 +8378,15 @@
           <a:p>
             <a:r>
               <a:rPr lang="en-US" dirty="0"/>
-              <a:t>Aim: help / take care of people, prevent diseases</a:t>
+              <a:t>Aim: help </a:t>
+            </a:r>
+            <a:r>
+              <a:rPr lang="en-US" dirty="0" smtClean="0"/>
+              <a:t>/ </a:t>
+            </a:r>
+            <a:r>
+              <a:rPr lang="en-US" dirty="0"/>
+              <a:t>take care of people, prevent diseases</a:t>
             </a:r>
           </a:p>
           <a:p>
@@ -8196,6 +8448,54 @@
           </a:p>
         </p:txBody>
       </p:sp>
+      <p:pic>
+        <p:nvPicPr>
+          <p:cNvPr id="4" name="Bild 3"/>
+          <p:cNvPicPr>
+            <a:picLocks noChangeAspect="1"/>
+          </p:cNvPicPr>
+          <p:nvPr/>
+        </p:nvPicPr>
+        <p:blipFill>
+          <a:blip r:embed="rId2"/>
+          <a:stretch>
+            <a:fillRect/>
+          </a:stretch>
+        </p:blipFill>
+        <p:spPr>
+          <a:xfrm>
+            <a:off x="5934368" y="321101"/>
+            <a:ext cx="2817091" cy="2073812"/>
+          </a:xfrm>
+          <a:prstGeom prst="rect">
+            <a:avLst/>
+          </a:prstGeom>
+        </p:spPr>
+      </p:pic>
+      <p:pic>
+        <p:nvPicPr>
+          <p:cNvPr id="5" name="Bild 4"/>
+          <p:cNvPicPr>
+            <a:picLocks noChangeAspect="1"/>
+          </p:cNvPicPr>
+          <p:nvPr/>
+        </p:nvPicPr>
+        <p:blipFill>
+          <a:blip r:embed="rId3"/>
+          <a:stretch>
+            <a:fillRect/>
+          </a:stretch>
+        </p:blipFill>
+        <p:spPr>
+          <a:xfrm>
+            <a:off x="5818908" y="3606247"/>
+            <a:ext cx="3071091" cy="2042943"/>
+          </a:xfrm>
+          <a:prstGeom prst="rect">
+            <a:avLst/>
+          </a:prstGeom>
+        </p:spPr>
+      </p:pic>
     </p:spTree>
     <p:extLst>
       <p:ext uri="{BB962C8B-B14F-4D97-AF65-F5344CB8AC3E}">
@@ -8242,8 +8542,12 @@
           <a:lstStyle/>
           <a:p>
             <a:r>
+              <a:rPr lang="en-US" dirty="0" smtClean="0"/>
+              <a:t>2 interviews </a:t>
+            </a:r>
+            <a:r>
               <a:rPr lang="en-US" dirty="0"/>
-              <a:t>Conducted two interviews with professional health visitors</a:t>
+              <a:t>with professional health visitors</a:t>
             </a:r>
             <a:r>
               <a:rPr lang="en-US" dirty="0">
@@ -8257,50 +8561,155 @@
           <a:p>
             <a:r>
               <a:rPr lang="en-US" dirty="0"/>
-              <a:t>Main findings</a:t>
-            </a:r>
+              <a:t>Main </a:t>
+            </a:r>
+            <a:r>
+              <a:rPr lang="en-US" dirty="0" smtClean="0"/>
+              <a:t>findings</a:t>
+            </a:r>
+          </a:p>
+          <a:p>
+            <a:endParaRPr lang="en-US" dirty="0" smtClean="0"/>
           </a:p>
           <a:p>
             <a:pPr lvl="1"/>
             <a:r>
+              <a:rPr lang="de-CH" dirty="0" err="1" smtClean="0"/>
+              <a:t>Scheduling</a:t>
+            </a:r>
+            <a:r>
+              <a:rPr lang="de-CH" dirty="0" smtClean="0"/>
+              <a:t> </a:t>
+            </a:r>
+            <a:r>
               <a:rPr lang="de-CH" dirty="0"/>
-              <a:t>Functions of interest</a:t>
-            </a:r>
+              <a:t>(schedule re-planning), Patient data, Travel time evaluation and automatic </a:t>
+            </a:r>
+            <a:r>
+              <a:rPr lang="de-CH" dirty="0" err="1"/>
+              <a:t>document</a:t>
+            </a:r>
+            <a:r>
+              <a:rPr lang="de-CH" dirty="0"/>
+              <a:t> </a:t>
+            </a:r>
+            <a:r>
+              <a:rPr lang="de-CH" dirty="0" err="1" smtClean="0"/>
+              <a:t>preparation</a:t>
+            </a:r>
+            <a:endParaRPr lang="de-CH" dirty="0" smtClean="0"/>
           </a:p>
           <a:p>
             <a:pPr lvl="2"/>
+            <a:endParaRPr lang="de-CH" dirty="0"/>
+          </a:p>
+          <a:p>
+            <a:pPr lvl="1"/>
+            <a:r>
+              <a:rPr lang="de-CH" dirty="0" smtClean="0"/>
+              <a:t>Information </a:t>
+            </a:r>
+            <a:r>
+              <a:rPr lang="de-CH" dirty="0" err="1" smtClean="0"/>
+              <a:t>sharing</a:t>
+            </a:r>
+            <a:endParaRPr lang="de-CH" dirty="0"/>
+          </a:p>
+          <a:p>
+            <a:pPr lvl="1"/>
+            <a:endParaRPr lang="de-CH" dirty="0" smtClean="0"/>
+          </a:p>
+          <a:p>
+            <a:pPr lvl="1"/>
+            <a:r>
+              <a:rPr lang="de-CH" dirty="0" smtClean="0"/>
+              <a:t>5</a:t>
+            </a:r>
             <a:r>
               <a:rPr lang="de-CH" dirty="0"/>
-              <a:t>Scheduling (schedule re-planning), Patient data, Travel time evaluation and automatic document preparation</a:t>
-            </a:r>
+              <a:t>-6 patients per </a:t>
+            </a:r>
+            <a:r>
+              <a:rPr lang="de-CH" dirty="0" err="1" smtClean="0"/>
+              <a:t>day</a:t>
+            </a:r>
+            <a:r>
+              <a:rPr lang="de-CH" dirty="0"/>
+              <a:t> </a:t>
+            </a:r>
+            <a:r>
+              <a:rPr lang="de-CH" dirty="0" smtClean="0"/>
+              <a:t>/ 1x per </a:t>
+            </a:r>
+            <a:r>
+              <a:rPr lang="de-CH" dirty="0" err="1" smtClean="0"/>
+              <a:t>week</a:t>
+            </a:r>
+            <a:r>
+              <a:rPr lang="de-CH" dirty="0" smtClean="0"/>
+              <a:t> (1-3 </a:t>
+            </a:r>
+            <a:r>
+              <a:rPr lang="de-CH" dirty="0" err="1" smtClean="0"/>
+              <a:t>hours</a:t>
+            </a:r>
+            <a:r>
+              <a:rPr lang="de-CH" dirty="0" smtClean="0"/>
+              <a:t>)</a:t>
+            </a:r>
+            <a:endParaRPr lang="de-CH" dirty="0"/>
           </a:p>
           <a:p>
             <a:pPr lvl="1"/>
+            <a:endParaRPr lang="de-CH" dirty="0" smtClean="0"/>
+          </a:p>
+          <a:p>
+            <a:pPr lvl="1"/>
+            <a:r>
+              <a:rPr lang="de-CH" dirty="0" err="1" smtClean="0"/>
+              <a:t>Two</a:t>
+            </a:r>
+            <a:r>
+              <a:rPr lang="de-CH" dirty="0" smtClean="0"/>
+              <a:t> </a:t>
+            </a:r>
+            <a:r>
+              <a:rPr lang="de-CH" dirty="0" err="1" smtClean="0"/>
+              <a:t>types</a:t>
+            </a:r>
+            <a:r>
+              <a:rPr lang="de-CH" dirty="0" smtClean="0"/>
+              <a:t>: </a:t>
+            </a:r>
+            <a:r>
+              <a:rPr lang="de-CH" dirty="0" err="1" smtClean="0"/>
+              <a:t>with</a:t>
+            </a:r>
+            <a:r>
+              <a:rPr lang="de-CH" dirty="0" smtClean="0"/>
+              <a:t> </a:t>
+            </a:r>
             <a:r>
               <a:rPr lang="de-CH" dirty="0"/>
-              <a:t>Data sharing with doctors</a:t>
-            </a:r>
+              <a:t>medical background </a:t>
+            </a:r>
+            <a:r>
+              <a:rPr lang="de-CH" dirty="0" err="1"/>
+              <a:t>and</a:t>
+            </a:r>
+            <a:r>
+              <a:rPr lang="de-CH" dirty="0"/>
+              <a:t> </a:t>
+            </a:r>
+            <a:r>
+              <a:rPr lang="de-CH" dirty="0" err="1" smtClean="0"/>
+              <a:t>without</a:t>
+            </a:r>
+            <a:endParaRPr lang="de-CH" dirty="0" smtClean="0"/>
           </a:p>
           <a:p>
             <a:pPr lvl="1"/>
-            <a:r>
-              <a:rPr lang="de-CH" dirty="0"/>
-              <a:t>5-6 patients per day</a:t>
-            </a:r>
-          </a:p>
-          <a:p>
-            <a:pPr lvl="1"/>
-            <a:r>
-              <a:rPr lang="de-CH" dirty="0"/>
-              <a:t>Two types of health visitors: with medical background and without</a:t>
-            </a:r>
-          </a:p>
-          <a:p>
-            <a:pPr lvl="1"/>
-            <a:r>
-              <a:rPr lang="de-CH" dirty="0"/>
-              <a:t>Usual visits: 1-time or less per week (1-3 hours) and be ready 24h / 7 days a week</a:t>
-            </a:r>
+            <a:endParaRPr lang="de-CH" dirty="0"/>
           </a:p>
           <a:p>
             <a:pPr lvl="1"/>
@@ -8464,24 +8873,13 @@
             <a:pPr lvl="1"/>
             <a:r>
               <a:rPr lang="en-US" dirty="0"/>
-              <a:t>About 27 000 people</a:t>
-            </a:r>
-          </a:p>
-          <a:p>
-            <a:pPr lvl="1"/>
-            <a:r>
-              <a:rPr lang="en-US" dirty="0">
-                <a:solidFill>
-                  <a:srgbClr val="FF0000"/>
-                </a:solidFill>
-              </a:rPr>
-              <a:t>…</a:t>
-            </a:r>
-            <a:endParaRPr lang="de-CH" dirty="0">
-              <a:solidFill>
-                <a:srgbClr val="FF0000"/>
-              </a:solidFill>
-            </a:endParaRPr>
+              <a:t>About 27 000 </a:t>
+            </a:r>
+            <a:r>
+              <a:rPr lang="en-US" dirty="0" smtClean="0"/>
+              <a:t>people</a:t>
+            </a:r>
+            <a:endParaRPr lang="en-US" dirty="0"/>
           </a:p>
         </p:txBody>
       </p:sp>
@@ -8502,7 +8900,11 @@
           <a:p>
             <a:r>
               <a:rPr lang="en-US" dirty="0"/>
-              <a:t>Health Services Research</a:t>
+              <a:t>Health Services </a:t>
+            </a:r>
+            <a:r>
+              <a:rPr lang="en-US" dirty="0" smtClean="0"/>
+              <a:t>Research</a:t>
             </a:r>
             <a:endParaRPr lang="de-CH" dirty="0"/>
           </a:p>
